--- a/HOTEL.pptx
+++ b/HOTEL.pptx
@@ -1,109 +1,50 @@
 
 <file path=ppt/presentation.xml><?xml version="1.0" encoding="utf-8"?>
-<p:presentation xmlns:a="http://schemas.openxmlformats.org/drawingml/2006/main" xmlns:r="http://schemas.openxmlformats.org/officeDocument/2006/relationships" xmlns:p="http://schemas.openxmlformats.org/presentationml/2006/main" saveSubsetFonts="1" embedTrueTypeFonts="true">
+<p:presentation xmlns:a="http://schemas.openxmlformats.org/drawingml/2006/main" xmlns:r="http://schemas.openxmlformats.org/officeDocument/2006/relationships" xmlns:p="http://schemas.openxmlformats.org/presentationml/2006/main" embedTrueTypeFonts="1" saveSubsetFonts="1">
   <p:sldMasterIdLst>
     <p:sldMasterId id="2147483648" r:id="rId1"/>
   </p:sldMasterIdLst>
   <p:sldIdLst>
-    <p:sldId id="256" r:id="rId29"/>
-    <p:sldId id="257" r:id="rId30"/>
-    <p:sldId id="258" r:id="rId31"/>
-    <p:sldId id="259" r:id="rId32"/>
+    <p:sldId id="256" r:id="rId2"/>
+    <p:sldId id="257" r:id="rId3"/>
+    <p:sldId id="258" r:id="rId4"/>
+    <p:sldId id="259" r:id="rId5"/>
   </p:sldIdLst>
   <p:sldSz cx="18288000" cy="10287000"/>
   <p:notesSz cx="6858000" cy="9144000"/>
   <p:embeddedFontLst>
     <p:embeddedFont>
-      <p:font typeface="Libre Baskerville" charset="1" panose="02000000000000000000"/>
+      <p:font typeface="Calibri" panose="020F0502020204030204" pitchFamily="34" charset="0"/>
       <p:regular r:id="rId6"/>
+      <p:bold r:id="rId7"/>
+      <p:italic r:id="rId8"/>
+      <p:boldItalic r:id="rId9"/>
     </p:embeddedFont>
     <p:embeddedFont>
-      <p:font typeface="Libre Baskerville Bold" charset="1" panose="02000000000000000000"/>
-      <p:regular r:id="rId7"/>
+      <p:font typeface="Libre Baskerville Bold" panose="02000000000000000000" pitchFamily="2" charset="0"/>
+      <p:regular r:id="rId10"/>
+      <p:bold r:id="rId11"/>
     </p:embeddedFont>
     <p:embeddedFont>
-      <p:font typeface="Libre Baskerville Italics" charset="1" panose="02000000000000000000"/>
-      <p:regular r:id="rId8"/>
-    </p:embeddedFont>
-    <p:embeddedFont>
-      <p:font typeface="Arimo" charset="1" panose="020B0604020202020204"/>
-      <p:regular r:id="rId9"/>
-    </p:embeddedFont>
-    <p:embeddedFont>
-      <p:font typeface="Arimo Bold" charset="1" panose="020B0704020202020204"/>
-      <p:regular r:id="rId10"/>
-    </p:embeddedFont>
-    <p:embeddedFont>
-      <p:font typeface="Arimo Italics" charset="1" panose="020B0604020202090204"/>
-      <p:regular r:id="rId11"/>
-    </p:embeddedFont>
-    <p:embeddedFont>
-      <p:font typeface="Arimo Bold Italics" charset="1" panose="020B0704020202090204"/>
+      <p:font typeface="Now" pitchFamily="2" charset="77"/>
       <p:regular r:id="rId12"/>
     </p:embeddedFont>
     <p:embeddedFont>
-      <p:font typeface="Open Sans Extra Bold" charset="1" panose="020B0906030804020204"/>
+      <p:font typeface="Now Bold" pitchFamily="2" charset="77"/>
       <p:regular r:id="rId13"/>
+      <p:bold r:id="rId14"/>
     </p:embeddedFont>
     <p:embeddedFont>
-      <p:font typeface="Open Sans Extra Bold Italics" charset="1" panose="020B0906030804020204"/>
-      <p:regular r:id="rId14"/>
+      <p:font typeface="Open Sans" panose="020B0606030504020204" pitchFamily="34" charset="0"/>
+      <p:regular r:id="rId15"/>
+      <p:bold r:id="rId16"/>
+      <p:italic r:id="rId17"/>
+      <p:boldItalic r:id="rId18"/>
     </p:embeddedFont>
     <p:embeddedFont>
-      <p:font typeface="Now" charset="1" panose="00000500000000000000"/>
-      <p:regular r:id="rId15"/>
-    </p:embeddedFont>
-    <p:embeddedFont>
-      <p:font typeface="Now Bold" charset="1" panose="00000800000000000000"/>
-      <p:regular r:id="rId16"/>
-    </p:embeddedFont>
-    <p:embeddedFont>
-      <p:font typeface="Now Thin" charset="1" panose="00000300000000000000"/>
-      <p:regular r:id="rId17"/>
-    </p:embeddedFont>
-    <p:embeddedFont>
-      <p:font typeface="Now Light" charset="1" panose="00000400000000000000"/>
-      <p:regular r:id="rId18"/>
-    </p:embeddedFont>
-    <p:embeddedFont>
-      <p:font typeface="Now Medium" charset="1" panose="00000600000000000000"/>
+      <p:font typeface="Open Sans Extra Bold" panose="020B0906030804020204" pitchFamily="34" charset="0"/>
       <p:regular r:id="rId19"/>
-    </p:embeddedFont>
-    <p:embeddedFont>
-      <p:font typeface="Now Heavy" charset="1" panose="00000A00000000000000"/>
-      <p:regular r:id="rId20"/>
-    </p:embeddedFont>
-    <p:embeddedFont>
-      <p:font typeface="Open Sans" charset="1" panose="020B0606030504020204"/>
-      <p:regular r:id="rId21"/>
-    </p:embeddedFont>
-    <p:embeddedFont>
-      <p:font typeface="Open Sans Bold" charset="1" panose="020B0806030504020204"/>
-      <p:regular r:id="rId22"/>
-    </p:embeddedFont>
-    <p:embeddedFont>
-      <p:font typeface="Open Sans Italics" charset="1" panose="020B0606030504020204"/>
-      <p:regular r:id="rId23"/>
-    </p:embeddedFont>
-    <p:embeddedFont>
-      <p:font typeface="Open Sans Bold Italics" charset="1" panose="020B0806030504020204"/>
-      <p:regular r:id="rId24"/>
-    </p:embeddedFont>
-    <p:embeddedFont>
-      <p:font typeface="Open Sans Light" charset="1" panose="020B0306030504020204"/>
-      <p:regular r:id="rId25"/>
-    </p:embeddedFont>
-    <p:embeddedFont>
-      <p:font typeface="Open Sans Light Italics" charset="1" panose="020B0306030504020204"/>
-      <p:regular r:id="rId26"/>
-    </p:embeddedFont>
-    <p:embeddedFont>
-      <p:font typeface="Open Sans Ultra-Bold" charset="1" panose="00000000000000000000"/>
-      <p:regular r:id="rId27"/>
-    </p:embeddedFont>
-    <p:embeddedFont>
-      <p:font typeface="Open Sans Ultra-Bold Italics" charset="1" panose="00000000000000000000"/>
-      <p:regular r:id="rId28"/>
+      <p:bold r:id="rId20"/>
     </p:embeddedFont>
   </p:embeddedFontLst>
   <p:defaultTextStyle>
@@ -201,6 +142,22 @@
       </a:defRPr>
     </a:lvl9pPr>
   </p:defaultTextStyle>
+  <p:extLst>
+    <p:ext uri="{EFAFB233-063F-42B5-8137-9DF3F51BA10A}">
+      <p15:sldGuideLst xmlns:p15="http://schemas.microsoft.com/office/powerpoint/2012/main">
+        <p15:guide id="1" orient="horz" pos="2160">
+          <p15:clr>
+            <a:srgbClr val="A4A3A4"/>
+          </p15:clr>
+        </p15:guide>
+        <p15:guide id="2" pos="2880">
+          <p15:clr>
+            <a:srgbClr val="A4A3A4"/>
+          </p15:clr>
+        </p15:guide>
+      </p15:sldGuideLst>
+    </p:ext>
+  </p:extLst>
 </p:presentation>
 </file>
 
@@ -242,10 +199,9 @@
           <a:lstStyle/>
           <a:p>
             <a:r>
-              <a:rPr lang="en-US" smtClean="0"/>
+              <a:rPr lang="en-US"/>
               <a:t>Click to edit Master title style</a:t>
             </a:r>
-            <a:endParaRPr lang="en-US"/>
           </a:p>
         </p:txBody>
       </p:sp>
@@ -361,10 +317,9 @@
           </a:lstStyle>
           <a:p>
             <a:r>
-              <a:rPr lang="en-US" smtClean="0"/>
+              <a:rPr lang="en-US"/>
               <a:t>Click to edit Master subtitle style</a:t>
             </a:r>
-            <a:endParaRPr lang="en-US"/>
           </a:p>
         </p:txBody>
       </p:sp>
@@ -386,7 +341,7 @@
             <a:fld id="{1D8BD707-D9CF-40AE-B4C6-C98DA3205C09}" type="datetimeFigureOut">
               <a:rPr lang="en-US" smtClean="0"/>
               <a:pPr/>
-              <a:t>8/1/2011</a:t>
+              <a:t>11/9/23</a:t>
             </a:fld>
             <a:endParaRPr lang="en-US"/>
           </a:p>
@@ -429,7 +384,7 @@
             <a:fld id="{B6F15528-21DE-4FAA-801E-634DDDAF4B2B}" type="slidenum">
               <a:rPr lang="en-US" smtClean="0"/>
               <a:pPr/>
-              <a:t>‹#›</a:t>
+              <a:t>‹N›</a:t>
             </a:fld>
             <a:endParaRPr lang="en-US"/>
           </a:p>
@@ -476,10 +431,9 @@
           <a:lstStyle/>
           <a:p>
             <a:r>
-              <a:rPr lang="en-US" smtClean="0"/>
+              <a:rPr lang="en-US"/>
               <a:t>Click to edit Master title style</a:t>
             </a:r>
-            <a:endParaRPr lang="en-US"/>
           </a:p>
         </p:txBody>
       </p:sp>
@@ -500,38 +454,37 @@
           <a:p>
             <a:pPr lvl="0"/>
             <a:r>
-              <a:rPr lang="en-US" smtClean="0"/>
+              <a:rPr lang="en-US"/>
               <a:t>Click to edit Master text styles</a:t>
             </a:r>
           </a:p>
           <a:p>
             <a:pPr lvl="1"/>
             <a:r>
-              <a:rPr lang="en-US" smtClean="0"/>
+              <a:rPr lang="en-US"/>
               <a:t>Second level</a:t>
             </a:r>
           </a:p>
           <a:p>
             <a:pPr lvl="2"/>
             <a:r>
-              <a:rPr lang="en-US" smtClean="0"/>
+              <a:rPr lang="en-US"/>
               <a:t>Third level</a:t>
             </a:r>
           </a:p>
           <a:p>
             <a:pPr lvl="3"/>
             <a:r>
-              <a:rPr lang="en-US" smtClean="0"/>
+              <a:rPr lang="en-US"/>
               <a:t>Fourth level</a:t>
             </a:r>
           </a:p>
           <a:p>
             <a:pPr lvl="4"/>
             <a:r>
-              <a:rPr lang="en-US" smtClean="0"/>
+              <a:rPr lang="en-US"/>
               <a:t>Fifth level</a:t>
             </a:r>
-            <a:endParaRPr lang="en-US"/>
           </a:p>
         </p:txBody>
       </p:sp>
@@ -553,7 +506,7 @@
             <a:fld id="{1D8BD707-D9CF-40AE-B4C6-C98DA3205C09}" type="datetimeFigureOut">
               <a:rPr lang="en-US" smtClean="0"/>
               <a:pPr/>
-              <a:t>8/1/2011</a:t>
+              <a:t>11/9/23</a:t>
             </a:fld>
             <a:endParaRPr lang="en-US"/>
           </a:p>
@@ -596,7 +549,7 @@
             <a:fld id="{B6F15528-21DE-4FAA-801E-634DDDAF4B2B}" type="slidenum">
               <a:rPr lang="en-US" smtClean="0"/>
               <a:pPr/>
-              <a:t>‹#›</a:t>
+              <a:t>‹N›</a:t>
             </a:fld>
             <a:endParaRPr lang="en-US"/>
           </a:p>
@@ -648,10 +601,9 @@
           <a:lstStyle/>
           <a:p>
             <a:r>
-              <a:rPr lang="en-US" smtClean="0"/>
+              <a:rPr lang="en-US"/>
               <a:t>Click to edit Master title style</a:t>
             </a:r>
-            <a:endParaRPr lang="en-US"/>
           </a:p>
         </p:txBody>
       </p:sp>
@@ -677,38 +629,37 @@
           <a:p>
             <a:pPr lvl="0"/>
             <a:r>
-              <a:rPr lang="en-US" smtClean="0"/>
+              <a:rPr lang="en-US"/>
               <a:t>Click to edit Master text styles</a:t>
             </a:r>
           </a:p>
           <a:p>
             <a:pPr lvl="1"/>
             <a:r>
-              <a:rPr lang="en-US" smtClean="0"/>
+              <a:rPr lang="en-US"/>
               <a:t>Second level</a:t>
             </a:r>
           </a:p>
           <a:p>
             <a:pPr lvl="2"/>
             <a:r>
-              <a:rPr lang="en-US" smtClean="0"/>
+              <a:rPr lang="en-US"/>
               <a:t>Third level</a:t>
             </a:r>
           </a:p>
           <a:p>
             <a:pPr lvl="3"/>
             <a:r>
-              <a:rPr lang="en-US" smtClean="0"/>
+              <a:rPr lang="en-US"/>
               <a:t>Fourth level</a:t>
             </a:r>
           </a:p>
           <a:p>
             <a:pPr lvl="4"/>
             <a:r>
-              <a:rPr lang="en-US" smtClean="0"/>
+              <a:rPr lang="en-US"/>
               <a:t>Fifth level</a:t>
             </a:r>
-            <a:endParaRPr lang="en-US"/>
           </a:p>
         </p:txBody>
       </p:sp>
@@ -730,7 +681,7 @@
             <a:fld id="{1D8BD707-D9CF-40AE-B4C6-C98DA3205C09}" type="datetimeFigureOut">
               <a:rPr lang="en-US" smtClean="0"/>
               <a:pPr/>
-              <a:t>8/1/2011</a:t>
+              <a:t>11/9/23</a:t>
             </a:fld>
             <a:endParaRPr lang="en-US"/>
           </a:p>
@@ -773,7 +724,7 @@
             <a:fld id="{B6F15528-21DE-4FAA-801E-634DDDAF4B2B}" type="slidenum">
               <a:rPr lang="en-US" smtClean="0"/>
               <a:pPr/>
-              <a:t>‹#›</a:t>
+              <a:t>‹N›</a:t>
             </a:fld>
             <a:endParaRPr lang="en-US"/>
           </a:p>
@@ -820,10 +771,9 @@
           <a:lstStyle/>
           <a:p>
             <a:r>
-              <a:rPr lang="en-US" smtClean="0"/>
+              <a:rPr lang="en-US"/>
               <a:t>Click to edit Master title style</a:t>
             </a:r>
-            <a:endParaRPr lang="en-US"/>
           </a:p>
         </p:txBody>
       </p:sp>
@@ -844,38 +794,37 @@
           <a:p>
             <a:pPr lvl="0"/>
             <a:r>
-              <a:rPr lang="en-US" smtClean="0"/>
+              <a:rPr lang="en-US"/>
               <a:t>Click to edit Master text styles</a:t>
             </a:r>
           </a:p>
           <a:p>
             <a:pPr lvl="1"/>
             <a:r>
-              <a:rPr lang="en-US" smtClean="0"/>
+              <a:rPr lang="en-US"/>
               <a:t>Second level</a:t>
             </a:r>
           </a:p>
           <a:p>
             <a:pPr lvl="2"/>
             <a:r>
-              <a:rPr lang="en-US" smtClean="0"/>
+              <a:rPr lang="en-US"/>
               <a:t>Third level</a:t>
             </a:r>
           </a:p>
           <a:p>
             <a:pPr lvl="3"/>
             <a:r>
-              <a:rPr lang="en-US" smtClean="0"/>
+              <a:rPr lang="en-US"/>
               <a:t>Fourth level</a:t>
             </a:r>
           </a:p>
           <a:p>
             <a:pPr lvl="4"/>
             <a:r>
-              <a:rPr lang="en-US" smtClean="0"/>
+              <a:rPr lang="en-US"/>
               <a:t>Fifth level</a:t>
             </a:r>
-            <a:endParaRPr lang="en-US"/>
           </a:p>
         </p:txBody>
       </p:sp>
@@ -897,7 +846,7 @@
             <a:fld id="{1D8BD707-D9CF-40AE-B4C6-C98DA3205C09}" type="datetimeFigureOut">
               <a:rPr lang="en-US" smtClean="0"/>
               <a:pPr/>
-              <a:t>8/1/2011</a:t>
+              <a:t>11/9/23</a:t>
             </a:fld>
             <a:endParaRPr lang="en-US"/>
           </a:p>
@@ -940,7 +889,7 @@
             <a:fld id="{B6F15528-21DE-4FAA-801E-634DDDAF4B2B}" type="slidenum">
               <a:rPr lang="en-US" smtClean="0"/>
               <a:pPr/>
-              <a:t>‹#›</a:t>
+              <a:t>‹N›</a:t>
             </a:fld>
             <a:endParaRPr lang="en-US"/>
           </a:p>
@@ -996,10 +945,9 @@
           </a:lstStyle>
           <a:p>
             <a:r>
-              <a:rPr lang="en-US" smtClean="0"/>
+              <a:rPr lang="en-US"/>
               <a:t>Click to edit Master title style</a:t>
             </a:r>
-            <a:endParaRPr lang="en-US"/>
           </a:p>
         </p:txBody>
       </p:sp>
@@ -1116,7 +1064,7 @@
           <a:p>
             <a:pPr lvl="0"/>
             <a:r>
-              <a:rPr lang="en-US" smtClean="0"/>
+              <a:rPr lang="en-US"/>
               <a:t>Click to edit Master text styles</a:t>
             </a:r>
           </a:p>
@@ -1140,7 +1088,7 @@
             <a:fld id="{1D8BD707-D9CF-40AE-B4C6-C98DA3205C09}" type="datetimeFigureOut">
               <a:rPr lang="en-US" smtClean="0"/>
               <a:pPr/>
-              <a:t>8/1/2011</a:t>
+              <a:t>11/9/23</a:t>
             </a:fld>
             <a:endParaRPr lang="en-US"/>
           </a:p>
@@ -1183,7 +1131,7 @@
             <a:fld id="{B6F15528-21DE-4FAA-801E-634DDDAF4B2B}" type="slidenum">
               <a:rPr lang="en-US" smtClean="0"/>
               <a:pPr/>
-              <a:t>‹#›</a:t>
+              <a:t>‹N›</a:t>
             </a:fld>
             <a:endParaRPr lang="en-US"/>
           </a:p>
@@ -1230,10 +1178,9 @@
           <a:lstStyle/>
           <a:p>
             <a:r>
-              <a:rPr lang="en-US" smtClean="0"/>
+              <a:rPr lang="en-US"/>
               <a:t>Click to edit Master title style</a:t>
             </a:r>
-            <a:endParaRPr lang="en-US"/>
           </a:p>
         </p:txBody>
       </p:sp>
@@ -1287,38 +1234,37 @@
           <a:p>
             <a:pPr lvl="0"/>
             <a:r>
-              <a:rPr lang="en-US" smtClean="0"/>
+              <a:rPr lang="en-US"/>
               <a:t>Click to edit Master text styles</a:t>
             </a:r>
           </a:p>
           <a:p>
             <a:pPr lvl="1"/>
             <a:r>
-              <a:rPr lang="en-US" smtClean="0"/>
+              <a:rPr lang="en-US"/>
               <a:t>Second level</a:t>
             </a:r>
           </a:p>
           <a:p>
             <a:pPr lvl="2"/>
             <a:r>
-              <a:rPr lang="en-US" smtClean="0"/>
+              <a:rPr lang="en-US"/>
               <a:t>Third level</a:t>
             </a:r>
           </a:p>
           <a:p>
             <a:pPr lvl="3"/>
             <a:r>
-              <a:rPr lang="en-US" smtClean="0"/>
+              <a:rPr lang="en-US"/>
               <a:t>Fourth level</a:t>
             </a:r>
           </a:p>
           <a:p>
             <a:pPr lvl="4"/>
             <a:r>
-              <a:rPr lang="en-US" smtClean="0"/>
+              <a:rPr lang="en-US"/>
               <a:t>Fifth level</a:t>
             </a:r>
-            <a:endParaRPr lang="en-US"/>
           </a:p>
         </p:txBody>
       </p:sp>
@@ -1372,38 +1318,37 @@
           <a:p>
             <a:pPr lvl="0"/>
             <a:r>
-              <a:rPr lang="en-US" smtClean="0"/>
+              <a:rPr lang="en-US"/>
               <a:t>Click to edit Master text styles</a:t>
             </a:r>
           </a:p>
           <a:p>
             <a:pPr lvl="1"/>
             <a:r>
-              <a:rPr lang="en-US" smtClean="0"/>
+              <a:rPr lang="en-US"/>
               <a:t>Second level</a:t>
             </a:r>
           </a:p>
           <a:p>
             <a:pPr lvl="2"/>
             <a:r>
-              <a:rPr lang="en-US" smtClean="0"/>
+              <a:rPr lang="en-US"/>
               <a:t>Third level</a:t>
             </a:r>
           </a:p>
           <a:p>
             <a:pPr lvl="3"/>
             <a:r>
-              <a:rPr lang="en-US" smtClean="0"/>
+              <a:rPr lang="en-US"/>
               <a:t>Fourth level</a:t>
             </a:r>
           </a:p>
           <a:p>
             <a:pPr lvl="4"/>
             <a:r>
-              <a:rPr lang="en-US" smtClean="0"/>
+              <a:rPr lang="en-US"/>
               <a:t>Fifth level</a:t>
             </a:r>
-            <a:endParaRPr lang="en-US"/>
           </a:p>
         </p:txBody>
       </p:sp>
@@ -1425,7 +1370,7 @@
             <a:fld id="{1D8BD707-D9CF-40AE-B4C6-C98DA3205C09}" type="datetimeFigureOut">
               <a:rPr lang="en-US" smtClean="0"/>
               <a:pPr/>
-              <a:t>8/1/2011</a:t>
+              <a:t>11/9/23</a:t>
             </a:fld>
             <a:endParaRPr lang="en-US"/>
           </a:p>
@@ -1468,7 +1413,7 @@
             <a:fld id="{B6F15528-21DE-4FAA-801E-634DDDAF4B2B}" type="slidenum">
               <a:rPr lang="en-US" smtClean="0"/>
               <a:pPr/>
-              <a:t>‹#›</a:t>
+              <a:t>‹N›</a:t>
             </a:fld>
             <a:endParaRPr lang="en-US"/>
           </a:p>
@@ -1519,10 +1464,9 @@
           </a:lstStyle>
           <a:p>
             <a:r>
-              <a:rPr lang="en-US" smtClean="0"/>
+              <a:rPr lang="en-US"/>
               <a:t>Click to edit Master title style</a:t>
             </a:r>
-            <a:endParaRPr lang="en-US"/>
           </a:p>
         </p:txBody>
       </p:sp>
@@ -1585,7 +1529,7 @@
           <a:p>
             <a:pPr lvl="0"/>
             <a:r>
-              <a:rPr lang="en-US" smtClean="0"/>
+              <a:rPr lang="en-US"/>
               <a:t>Click to edit Master text styles</a:t>
             </a:r>
           </a:p>
@@ -1641,38 +1585,37 @@
           <a:p>
             <a:pPr lvl="0"/>
             <a:r>
-              <a:rPr lang="en-US" smtClean="0"/>
+              <a:rPr lang="en-US"/>
               <a:t>Click to edit Master text styles</a:t>
             </a:r>
           </a:p>
           <a:p>
             <a:pPr lvl="1"/>
             <a:r>
-              <a:rPr lang="en-US" smtClean="0"/>
+              <a:rPr lang="en-US"/>
               <a:t>Second level</a:t>
             </a:r>
           </a:p>
           <a:p>
             <a:pPr lvl="2"/>
             <a:r>
-              <a:rPr lang="en-US" smtClean="0"/>
+              <a:rPr lang="en-US"/>
               <a:t>Third level</a:t>
             </a:r>
           </a:p>
           <a:p>
             <a:pPr lvl="3"/>
             <a:r>
-              <a:rPr lang="en-US" smtClean="0"/>
+              <a:rPr lang="en-US"/>
               <a:t>Fourth level</a:t>
             </a:r>
           </a:p>
           <a:p>
             <a:pPr lvl="4"/>
             <a:r>
-              <a:rPr lang="en-US" smtClean="0"/>
+              <a:rPr lang="en-US"/>
               <a:t>Fifth level</a:t>
             </a:r>
-            <a:endParaRPr lang="en-US"/>
           </a:p>
         </p:txBody>
       </p:sp>
@@ -1735,7 +1678,7 @@
           <a:p>
             <a:pPr lvl="0"/>
             <a:r>
-              <a:rPr lang="en-US" smtClean="0"/>
+              <a:rPr lang="en-US"/>
               <a:t>Click to edit Master text styles</a:t>
             </a:r>
           </a:p>
@@ -1791,38 +1734,37 @@
           <a:p>
             <a:pPr lvl="0"/>
             <a:r>
-              <a:rPr lang="en-US" smtClean="0"/>
+              <a:rPr lang="en-US"/>
               <a:t>Click to edit Master text styles</a:t>
             </a:r>
           </a:p>
           <a:p>
             <a:pPr lvl="1"/>
             <a:r>
-              <a:rPr lang="en-US" smtClean="0"/>
+              <a:rPr lang="en-US"/>
               <a:t>Second level</a:t>
             </a:r>
           </a:p>
           <a:p>
             <a:pPr lvl="2"/>
             <a:r>
-              <a:rPr lang="en-US" smtClean="0"/>
+              <a:rPr lang="en-US"/>
               <a:t>Third level</a:t>
             </a:r>
           </a:p>
           <a:p>
             <a:pPr lvl="3"/>
             <a:r>
-              <a:rPr lang="en-US" smtClean="0"/>
+              <a:rPr lang="en-US"/>
               <a:t>Fourth level</a:t>
             </a:r>
           </a:p>
           <a:p>
             <a:pPr lvl="4"/>
             <a:r>
-              <a:rPr lang="en-US" smtClean="0"/>
+              <a:rPr lang="en-US"/>
               <a:t>Fifth level</a:t>
             </a:r>
-            <a:endParaRPr lang="en-US"/>
           </a:p>
         </p:txBody>
       </p:sp>
@@ -1844,7 +1786,7 @@
             <a:fld id="{1D8BD707-D9CF-40AE-B4C6-C98DA3205C09}" type="datetimeFigureOut">
               <a:rPr lang="en-US" smtClean="0"/>
               <a:pPr/>
-              <a:t>8/1/2011</a:t>
+              <a:t>11/9/23</a:t>
             </a:fld>
             <a:endParaRPr lang="en-US"/>
           </a:p>
@@ -1887,7 +1829,7 @@
             <a:fld id="{B6F15528-21DE-4FAA-801E-634DDDAF4B2B}" type="slidenum">
               <a:rPr lang="en-US" smtClean="0"/>
               <a:pPr/>
-              <a:t>‹#›</a:t>
+              <a:t>‹N›</a:t>
             </a:fld>
             <a:endParaRPr lang="en-US"/>
           </a:p>
@@ -1934,10 +1876,9 @@
           <a:lstStyle/>
           <a:p>
             <a:r>
-              <a:rPr lang="en-US" smtClean="0"/>
+              <a:rPr lang="en-US"/>
               <a:t>Click to edit Master title style</a:t>
             </a:r>
-            <a:endParaRPr lang="en-US"/>
           </a:p>
         </p:txBody>
       </p:sp>
@@ -1959,7 +1900,7 @@
             <a:fld id="{1D8BD707-D9CF-40AE-B4C6-C98DA3205C09}" type="datetimeFigureOut">
               <a:rPr lang="en-US" smtClean="0"/>
               <a:pPr/>
-              <a:t>8/1/2011</a:t>
+              <a:t>11/9/23</a:t>
             </a:fld>
             <a:endParaRPr lang="en-US"/>
           </a:p>
@@ -2002,7 +1943,7 @@
             <a:fld id="{B6F15528-21DE-4FAA-801E-634DDDAF4B2B}" type="slidenum">
               <a:rPr lang="en-US" smtClean="0"/>
               <a:pPr/>
-              <a:t>‹#›</a:t>
+              <a:t>‹N›</a:t>
             </a:fld>
             <a:endParaRPr lang="en-US"/>
           </a:p>
@@ -2051,7 +1992,7 @@
             <a:fld id="{1D8BD707-D9CF-40AE-B4C6-C98DA3205C09}" type="datetimeFigureOut">
               <a:rPr lang="en-US" smtClean="0"/>
               <a:pPr/>
-              <a:t>8/1/2011</a:t>
+              <a:t>11/9/23</a:t>
             </a:fld>
             <a:endParaRPr lang="en-US"/>
           </a:p>
@@ -2094,7 +2035,7 @@
             <a:fld id="{B6F15528-21DE-4FAA-801E-634DDDAF4B2B}" type="slidenum">
               <a:rPr lang="en-US" smtClean="0"/>
               <a:pPr/>
-              <a:t>‹#›</a:t>
+              <a:t>‹N›</a:t>
             </a:fld>
             <a:endParaRPr lang="en-US"/>
           </a:p>
@@ -2150,10 +2091,9 @@
           </a:lstStyle>
           <a:p>
             <a:r>
-              <a:rPr lang="en-US" smtClean="0"/>
+              <a:rPr lang="en-US"/>
               <a:t>Click to edit Master title style</a:t>
             </a:r>
-            <a:endParaRPr lang="en-US"/>
           </a:p>
         </p:txBody>
       </p:sp>
@@ -2207,38 +2147,37 @@
           <a:p>
             <a:pPr lvl="0"/>
             <a:r>
-              <a:rPr lang="en-US" smtClean="0"/>
+              <a:rPr lang="en-US"/>
               <a:t>Click to edit Master text styles</a:t>
             </a:r>
           </a:p>
           <a:p>
             <a:pPr lvl="1"/>
             <a:r>
-              <a:rPr lang="en-US" smtClean="0"/>
+              <a:rPr lang="en-US"/>
               <a:t>Second level</a:t>
             </a:r>
           </a:p>
           <a:p>
             <a:pPr lvl="2"/>
             <a:r>
-              <a:rPr lang="en-US" smtClean="0"/>
+              <a:rPr lang="en-US"/>
               <a:t>Third level</a:t>
             </a:r>
           </a:p>
           <a:p>
             <a:pPr lvl="3"/>
             <a:r>
-              <a:rPr lang="en-US" smtClean="0"/>
+              <a:rPr lang="en-US"/>
               <a:t>Fourth level</a:t>
             </a:r>
           </a:p>
           <a:p>
             <a:pPr lvl="4"/>
             <a:r>
-              <a:rPr lang="en-US" smtClean="0"/>
+              <a:rPr lang="en-US"/>
               <a:t>Fifth level</a:t>
             </a:r>
-            <a:endParaRPr lang="en-US"/>
           </a:p>
         </p:txBody>
       </p:sp>
@@ -2301,7 +2240,7 @@
           <a:p>
             <a:pPr lvl="0"/>
             <a:r>
-              <a:rPr lang="en-US" smtClean="0"/>
+              <a:rPr lang="en-US"/>
               <a:t>Click to edit Master text styles</a:t>
             </a:r>
           </a:p>
@@ -2325,7 +2264,7 @@
             <a:fld id="{1D8BD707-D9CF-40AE-B4C6-C98DA3205C09}" type="datetimeFigureOut">
               <a:rPr lang="en-US" smtClean="0"/>
               <a:pPr/>
-              <a:t>8/1/2011</a:t>
+              <a:t>11/9/23</a:t>
             </a:fld>
             <a:endParaRPr lang="en-US"/>
           </a:p>
@@ -2368,7 +2307,7 @@
             <a:fld id="{B6F15528-21DE-4FAA-801E-634DDDAF4B2B}" type="slidenum">
               <a:rPr lang="en-US" smtClean="0"/>
               <a:pPr/>
-              <a:t>‹#›</a:t>
+              <a:t>‹N›</a:t>
             </a:fld>
             <a:endParaRPr lang="en-US"/>
           </a:p>
@@ -2424,10 +2363,9 @@
           </a:lstStyle>
           <a:p>
             <a:r>
-              <a:rPr lang="en-US" smtClean="0"/>
+              <a:rPr lang="en-US"/>
               <a:t>Click to edit Master title style</a:t>
             </a:r>
-            <a:endParaRPr lang="en-US"/>
           </a:p>
         </p:txBody>
       </p:sp>
@@ -2551,7 +2489,7 @@
           <a:p>
             <a:pPr lvl="0"/>
             <a:r>
-              <a:rPr lang="en-US" smtClean="0"/>
+              <a:rPr lang="en-US"/>
               <a:t>Click to edit Master text styles</a:t>
             </a:r>
           </a:p>
@@ -2575,7 +2513,7 @@
             <a:fld id="{1D8BD707-D9CF-40AE-B4C6-C98DA3205C09}" type="datetimeFigureOut">
               <a:rPr lang="en-US" smtClean="0"/>
               <a:pPr/>
-              <a:t>8/1/2011</a:t>
+              <a:t>11/9/23</a:t>
             </a:fld>
             <a:endParaRPr lang="en-US"/>
           </a:p>
@@ -2618,7 +2556,7 @@
             <a:fld id="{B6F15528-21DE-4FAA-801E-634DDDAF4B2B}" type="slidenum">
               <a:rPr lang="en-US" smtClean="0"/>
               <a:pPr/>
-              <a:t>‹#›</a:t>
+              <a:t>‹N›</a:t>
             </a:fld>
             <a:endParaRPr lang="en-US"/>
           </a:p>
@@ -2680,10 +2618,9 @@
           <a:lstStyle/>
           <a:p>
             <a:r>
-              <a:rPr lang="en-US" smtClean="0"/>
+              <a:rPr lang="en-US"/>
               <a:t>Click to edit Master title style</a:t>
             </a:r>
-            <a:endParaRPr lang="en-US"/>
           </a:p>
         </p:txBody>
       </p:sp>
@@ -2714,38 +2651,37 @@
           <a:p>
             <a:pPr lvl="0"/>
             <a:r>
-              <a:rPr lang="en-US" smtClean="0"/>
+              <a:rPr lang="en-US"/>
               <a:t>Click to edit Master text styles</a:t>
             </a:r>
           </a:p>
           <a:p>
             <a:pPr lvl="1"/>
             <a:r>
-              <a:rPr lang="en-US" smtClean="0"/>
+              <a:rPr lang="en-US"/>
               <a:t>Second level</a:t>
             </a:r>
           </a:p>
           <a:p>
             <a:pPr lvl="2"/>
             <a:r>
-              <a:rPr lang="en-US" smtClean="0"/>
+              <a:rPr lang="en-US"/>
               <a:t>Third level</a:t>
             </a:r>
           </a:p>
           <a:p>
             <a:pPr lvl="3"/>
             <a:r>
-              <a:rPr lang="en-US" smtClean="0"/>
+              <a:rPr lang="en-US"/>
               <a:t>Fourth level</a:t>
             </a:r>
           </a:p>
           <a:p>
             <a:pPr lvl="4"/>
             <a:r>
-              <a:rPr lang="en-US" smtClean="0"/>
+              <a:rPr lang="en-US"/>
               <a:t>Fifth level</a:t>
             </a:r>
-            <a:endParaRPr lang="en-US"/>
           </a:p>
         </p:txBody>
       </p:sp>
@@ -2785,7 +2721,7 @@
             <a:fld id="{1D8BD707-D9CF-40AE-B4C6-C98DA3205C09}" type="datetimeFigureOut">
               <a:rPr lang="en-US" smtClean="0"/>
               <a:pPr/>
-              <a:t>8/1/2011</a:t>
+              <a:t>11/9/23</a:t>
             </a:fld>
             <a:endParaRPr lang="en-US"/>
           </a:p>
@@ -2864,7 +2800,7 @@
             <a:fld id="{B6F15528-21DE-4FAA-801E-634DDDAF4B2B}" type="slidenum">
               <a:rPr lang="en-US" smtClean="0"/>
               <a:pPr/>
-              <a:t>‹#›</a:t>
+              <a:t>‹N›</a:t>
             </a:fld>
             <a:endParaRPr lang="en-US"/>
           </a:p>
@@ -3140,13 +3076,14 @@
 </file>
 
 <file path=ppt/slides/slide1.xml><?xml version="1.0" encoding="utf-8"?>
-<p:sld xmlns:p="http://schemas.openxmlformats.org/presentationml/2006/main" xmlns:a="http://schemas.openxmlformats.org/drawingml/2006/main" xmlns:r="http://schemas.openxmlformats.org/officeDocument/2006/relationships">
+<p:sld xmlns:a="http://schemas.openxmlformats.org/drawingml/2006/main" xmlns:r="http://schemas.openxmlformats.org/officeDocument/2006/relationships" xmlns:p="http://schemas.openxmlformats.org/presentationml/2006/main">
   <p:cSld>
     <p:bg>
       <p:bgPr>
         <a:solidFill>
           <a:srgbClr val="6B4931"/>
         </a:solidFill>
+        <a:effectLst/>
       </p:bgPr>
     </p:bg>
     <p:spTree>
@@ -3165,12 +3102,12 @@
       </p:grpSpPr>
       <p:grpSp>
         <p:nvGrpSpPr>
-          <p:cNvPr name="Group 2" id="2"/>
+          <p:cNvPr id="2" name="Group 2"/>
           <p:cNvGrpSpPr/>
           <p:nvPr/>
         </p:nvGrpSpPr>
         <p:grpSpPr>
-          <a:xfrm rot="0">
+          <a:xfrm>
             <a:off x="2927600" y="0"/>
             <a:ext cx="16543512" cy="11308819"/>
             <a:chOff x="0" y="0"/>
@@ -3179,12 +3116,12 @@
         </p:grpSpPr>
         <p:sp>
           <p:nvSpPr>
-            <p:cNvPr name="Freeform 3" id="3"/>
+            <p:cNvPr id="3" name="Freeform 3"/>
             <p:cNvSpPr/>
             <p:nvPr/>
           </p:nvSpPr>
           <p:spPr>
-            <a:xfrm flipH="false" flipV="false" rot="0">
+            <a:xfrm>
               <a:off x="0" y="0"/>
               <a:ext cx="4357139" cy="2978454"/>
             </a:xfrm>
@@ -3193,9 +3130,9 @@
               <a:gdLst/>
               <a:ahLst/>
               <a:cxnLst/>
-              <a:rect r="r" b="b" t="t" l="l"/>
+              <a:rect l="l" t="t" r="r" b="b"/>
               <a:pathLst>
-                <a:path h="2978454" w="4357139">
+                <a:path w="4357139" h="2978454">
                   <a:moveTo>
                     <a:pt x="0" y="0"/>
                   </a:moveTo>
@@ -3219,8 +3156,8 @@
         </p:sp>
         <p:sp>
           <p:nvSpPr>
-            <p:cNvPr name="TextBox 4" id="4"/>
-            <p:cNvSpPr txBox="true"/>
+            <p:cNvPr id="4" name="TextBox 4"/>
+            <p:cNvSpPr txBox="1"/>
             <p:nvPr/>
           </p:nvSpPr>
           <p:spPr>
@@ -3233,7 +3170,7 @@
             </a:prstGeom>
           </p:spPr>
           <p:txBody>
-            <a:bodyPr anchor="ctr" rtlCol="false" tIns="50800" lIns="50800" bIns="50800" rIns="50800"/>
+            <a:bodyPr lIns="50800" tIns="50800" rIns="50800" bIns="50800" rtlCol="0" anchor="ctr"/>
             <a:lstStyle/>
             <a:p>
               <a:pPr algn="ctr">
@@ -3244,18 +3181,19 @@
                   <a:spcPct val="0"/>
                 </a:spcBef>
               </a:pPr>
+              <a:endParaRPr/>
             </a:p>
           </p:txBody>
         </p:sp>
       </p:grpSp>
       <p:sp>
         <p:nvSpPr>
-          <p:cNvPr name="Freeform 5" id="5"/>
+          <p:cNvPr id="5" name="Freeform 5"/>
           <p:cNvSpPr/>
           <p:nvPr/>
         </p:nvSpPr>
         <p:spPr>
-          <a:xfrm flipH="false" flipV="false" rot="0">
+          <a:xfrm>
             <a:off x="13446618" y="345727"/>
             <a:ext cx="4108467" cy="4108467"/>
           </a:xfrm>
@@ -3264,9 +3202,9 @@
             <a:gdLst/>
             <a:ahLst/>
             <a:cxnLst/>
-            <a:rect r="r" b="b" t="t" l="l"/>
+            <a:rect l="l" t="t" r="r" b="b"/>
             <a:pathLst>
-              <a:path h="4108467" w="4108467">
+              <a:path w="4108467" h="4108467">
                 <a:moveTo>
                   <a:pt x="0" y="0"/>
                 </a:moveTo>
@@ -3289,19 +3227,19 @@
           <a:blipFill>
             <a:blip r:embed="rId2"/>
             <a:stretch>
-              <a:fillRect l="0" t="0" r="0" b="0"/>
+              <a:fillRect/>
             </a:stretch>
           </a:blipFill>
         </p:spPr>
       </p:sp>
       <p:sp>
         <p:nvSpPr>
-          <p:cNvPr name="TextBox 6" id="6"/>
-          <p:cNvSpPr txBox="true"/>
+          <p:cNvPr id="6" name="TextBox 6"/>
+          <p:cNvSpPr txBox="1"/>
           <p:nvPr/>
         </p:nvSpPr>
         <p:spPr>
-          <a:xfrm rot="0">
+          <a:xfrm>
             <a:off x="3436993" y="939923"/>
             <a:ext cx="8882693" cy="2197526"/>
           </a:xfrm>
@@ -3310,7 +3248,7 @@
           </a:prstGeom>
         </p:spPr>
         <p:txBody>
-          <a:bodyPr anchor="t" rtlCol="false" tIns="0" lIns="0" bIns="0" rIns="0">
+          <a:bodyPr lIns="0" tIns="0" rIns="0" bIns="0" rtlCol="0" anchor="t">
             <a:spAutoFit/>
           </a:bodyPr>
           <a:lstStyle/>
@@ -3350,21 +3288,21 @@
       </p:sp>
       <p:sp>
         <p:nvSpPr>
-          <p:cNvPr name="TextBox 7" id="7"/>
-          <p:cNvSpPr txBox="true"/>
+          <p:cNvPr id="7" name="TextBox 7"/>
+          <p:cNvSpPr txBox="1"/>
           <p:nvPr/>
         </p:nvSpPr>
         <p:spPr>
-          <a:xfrm rot="0">
+          <a:xfrm>
             <a:off x="12542819" y="5095875"/>
-            <a:ext cx="4716481" cy="3789045"/>
+            <a:ext cx="4716481" cy="3878819"/>
           </a:xfrm>
           <a:prstGeom prst="rect">
             <a:avLst/>
           </a:prstGeom>
         </p:spPr>
         <p:txBody>
-          <a:bodyPr anchor="t" rtlCol="false" tIns="0" lIns="0" bIns="0" rIns="0">
+          <a:bodyPr lIns="0" tIns="0" rIns="0" bIns="0" rtlCol="0" anchor="t">
             <a:spAutoFit/>
           </a:bodyPr>
           <a:lstStyle/>
@@ -3375,13 +3313,31 @@
               </a:lnSpc>
             </a:pPr>
             <a:r>
-              <a:rPr lang="en-US" sz="2700">
+              <a:rPr lang="en-US" sz="2700" dirty="0">
                 <a:solidFill>
                   <a:srgbClr val="6B4931"/>
                 </a:solidFill>
                 <a:latin typeface="Now"/>
               </a:rPr>
-              <a:t>@VincenzoDeCandia #0124002439</a:t>
+              <a:t>@</a:t>
+            </a:r>
+            <a:r>
+              <a:rPr lang="en-US" sz="2700" dirty="0" err="1">
+                <a:solidFill>
+                  <a:srgbClr val="6B4931"/>
+                </a:solidFill>
+                <a:latin typeface="Now"/>
+              </a:rPr>
+              <a:t>VincenzoDeCandia</a:t>
+            </a:r>
+            <a:r>
+              <a:rPr lang="en-US" sz="2700" dirty="0">
+                <a:solidFill>
+                  <a:srgbClr val="6B4931"/>
+                </a:solidFill>
+                <a:latin typeface="Now"/>
+              </a:rPr>
+              <a:t> #0124002539</a:t>
             </a:r>
           </a:p>
           <a:p>
@@ -3390,6 +3346,12 @@
                 <a:spcPts val="3780"/>
               </a:lnSpc>
             </a:pPr>
+            <a:endParaRPr lang="en-US" sz="2700" dirty="0">
+              <a:solidFill>
+                <a:srgbClr val="6B4931"/>
+              </a:solidFill>
+              <a:latin typeface="Now"/>
+            </a:endParaRPr>
           </a:p>
           <a:p>
             <a:pPr algn="r">
@@ -3398,14 +3360,29 @@
               </a:lnSpc>
             </a:pPr>
             <a:r>
-              <a:rPr lang="en-US" sz="2700">
+              <a:rPr lang="en-US" sz="2700" dirty="0">
                 <a:solidFill>
                   <a:srgbClr val="6B4931"/>
                 </a:solidFill>
                 <a:latin typeface="Now"/>
               </a:rPr>
-              <a:t>@VincenzoFranchetti</a:t>
-            </a:r>
+              <a:t>@</a:t>
+            </a:r>
+            <a:r>
+              <a:rPr lang="en-US" sz="2700" dirty="0" err="1">
+                <a:solidFill>
+                  <a:srgbClr val="6B4931"/>
+                </a:solidFill>
+                <a:latin typeface="Now"/>
+              </a:rPr>
+              <a:t>VincenzoFranchetti</a:t>
+            </a:r>
+            <a:endParaRPr lang="en-US" sz="2700" dirty="0">
+              <a:solidFill>
+                <a:srgbClr val="6B4931"/>
+              </a:solidFill>
+              <a:latin typeface="Now"/>
+            </a:endParaRPr>
           </a:p>
           <a:p>
             <a:pPr algn="r">
@@ -3414,7 +3391,7 @@
               </a:lnSpc>
             </a:pPr>
             <a:r>
-              <a:rPr lang="en-US" sz="2700">
+              <a:rPr lang="en-US" sz="2700" dirty="0">
                 <a:solidFill>
                   <a:srgbClr val="6B4931"/>
                 </a:solidFill>
@@ -3429,6 +3406,12 @@
                 <a:spcPts val="3780"/>
               </a:lnSpc>
             </a:pPr>
+            <a:endParaRPr lang="en-US" sz="2700" dirty="0">
+              <a:solidFill>
+                <a:srgbClr val="6B4931"/>
+              </a:solidFill>
+              <a:latin typeface="Now"/>
+            </a:endParaRPr>
           </a:p>
           <a:p>
             <a:pPr algn="r">
@@ -3437,14 +3420,29 @@
               </a:lnSpc>
             </a:pPr>
             <a:r>
-              <a:rPr lang="en-US" sz="2700">
+              <a:rPr lang="en-US" sz="2700" dirty="0">
                 <a:solidFill>
                   <a:srgbClr val="6B4931"/>
                 </a:solidFill>
                 <a:latin typeface="Now"/>
               </a:rPr>
-              <a:t>@DavideAiello</a:t>
-            </a:r>
+              <a:t>@</a:t>
+            </a:r>
+            <a:r>
+              <a:rPr lang="en-US" sz="2700" dirty="0" err="1">
+                <a:solidFill>
+                  <a:srgbClr val="6B4931"/>
+                </a:solidFill>
+                <a:latin typeface="Now"/>
+              </a:rPr>
+              <a:t>DavideAiello</a:t>
+            </a:r>
+            <a:endParaRPr lang="en-US" sz="2700" dirty="0">
+              <a:solidFill>
+                <a:srgbClr val="6B4931"/>
+              </a:solidFill>
+              <a:latin typeface="Now"/>
+            </a:endParaRPr>
           </a:p>
           <a:p>
             <a:pPr algn="r">
@@ -3453,7 +3451,7 @@
               </a:lnSpc>
             </a:pPr>
             <a:r>
-              <a:rPr lang="en-US" sz="2700">
+              <a:rPr lang="en-US" sz="2700" dirty="0">
                 <a:solidFill>
                   <a:srgbClr val="6B4931"/>
                 </a:solidFill>
@@ -3466,12 +3464,12 @@
       </p:sp>
       <p:sp>
         <p:nvSpPr>
-          <p:cNvPr name="TextBox 8" id="8"/>
-          <p:cNvSpPr txBox="true"/>
+          <p:cNvPr id="8" name="TextBox 8"/>
+          <p:cNvSpPr txBox="1"/>
           <p:nvPr/>
         </p:nvSpPr>
         <p:spPr>
-          <a:xfrm rot="0">
+          <a:xfrm>
             <a:off x="3436993" y="3678141"/>
             <a:ext cx="9801522" cy="5206778"/>
           </a:xfrm>
@@ -3480,7 +3478,7 @@
           </a:prstGeom>
         </p:spPr>
         <p:txBody>
-          <a:bodyPr anchor="t" rtlCol="false" tIns="0" lIns="0" bIns="0" rIns="0">
+          <a:bodyPr lIns="0" tIns="0" rIns="0" bIns="0" rtlCol="0" anchor="t">
             <a:spAutoFit/>
           </a:bodyPr>
           <a:lstStyle/>
@@ -3506,6 +3504,12 @@
                 <a:spcPts val="3737"/>
               </a:lnSpc>
             </a:pPr>
+            <a:endParaRPr lang="en-US" sz="3460">
+              <a:solidFill>
+                <a:srgbClr val="6B4931"/>
+              </a:solidFill>
+              <a:latin typeface="Libre Baskerville Bold"/>
+            </a:endParaRPr>
           </a:p>
           <a:p>
             <a:pPr>
@@ -3529,6 +3533,12 @@
                 <a:spcPts val="3737"/>
               </a:lnSpc>
             </a:pPr>
+            <a:endParaRPr lang="en-US" sz="3460">
+              <a:solidFill>
+                <a:srgbClr val="6B4931"/>
+              </a:solidFill>
+              <a:latin typeface="Libre Baskerville Bold"/>
+            </a:endParaRPr>
           </a:p>
           <a:p>
             <a:pPr>
@@ -3560,13 +3570,14 @@
 </file>
 
 <file path=ppt/slides/slide2.xml><?xml version="1.0" encoding="utf-8"?>
-<p:sld xmlns:p="http://schemas.openxmlformats.org/presentationml/2006/main" xmlns:a="http://schemas.openxmlformats.org/drawingml/2006/main" xmlns:r="http://schemas.openxmlformats.org/officeDocument/2006/relationships">
+<p:sld xmlns:a="http://schemas.openxmlformats.org/drawingml/2006/main" xmlns:r="http://schemas.openxmlformats.org/officeDocument/2006/relationships" xmlns:p="http://schemas.openxmlformats.org/presentationml/2006/main">
   <p:cSld>
     <p:bg>
       <p:bgPr>
         <a:solidFill>
           <a:srgbClr val="6B4931"/>
         </a:solidFill>
+        <a:effectLst/>
       </p:bgPr>
     </p:bg>
     <p:spTree>
@@ -3585,12 +3596,12 @@
       </p:grpSpPr>
       <p:grpSp>
         <p:nvGrpSpPr>
-          <p:cNvPr name="Group 2" id="2"/>
+          <p:cNvPr id="2" name="Group 2"/>
           <p:cNvGrpSpPr/>
           <p:nvPr/>
         </p:nvGrpSpPr>
         <p:grpSpPr>
-          <a:xfrm rot="0">
+          <a:xfrm>
             <a:off x="0" y="0"/>
             <a:ext cx="12139950" cy="10287000"/>
             <a:chOff x="0" y="0"/>
@@ -3599,12 +3610,12 @@
         </p:grpSpPr>
         <p:sp>
           <p:nvSpPr>
-            <p:cNvPr name="Freeform 3" id="3"/>
+            <p:cNvPr id="3" name="Freeform 3"/>
             <p:cNvSpPr/>
             <p:nvPr/>
           </p:nvSpPr>
           <p:spPr>
-            <a:xfrm flipH="false" flipV="false" rot="0">
+            <a:xfrm>
               <a:off x="0" y="0"/>
               <a:ext cx="3197353" cy="2709333"/>
             </a:xfrm>
@@ -3613,9 +3624,9 @@
               <a:gdLst/>
               <a:ahLst/>
               <a:cxnLst/>
-              <a:rect r="r" b="b" t="t" l="l"/>
+              <a:rect l="l" t="t" r="r" b="b"/>
               <a:pathLst>
-                <a:path h="2709333" w="3197353">
+                <a:path w="3197353" h="2709333">
                   <a:moveTo>
                     <a:pt x="0" y="0"/>
                   </a:moveTo>
@@ -3639,8 +3650,8 @@
         </p:sp>
         <p:sp>
           <p:nvSpPr>
-            <p:cNvPr name="TextBox 4" id="4"/>
-            <p:cNvSpPr txBox="true"/>
+            <p:cNvPr id="4" name="TextBox 4"/>
+            <p:cNvSpPr txBox="1"/>
             <p:nvPr/>
           </p:nvSpPr>
           <p:spPr>
@@ -3653,7 +3664,7 @@
             </a:prstGeom>
           </p:spPr>
           <p:txBody>
-            <a:bodyPr anchor="ctr" rtlCol="false" tIns="50800" lIns="50800" bIns="50800" rIns="50800"/>
+            <a:bodyPr lIns="50800" tIns="50800" rIns="50800" bIns="50800" rtlCol="0" anchor="ctr"/>
             <a:lstStyle/>
             <a:p>
               <a:pPr algn="ctr">
@@ -3664,18 +3675,19 @@
                   <a:spcPct val="0"/>
                 </a:spcBef>
               </a:pPr>
+              <a:endParaRPr/>
             </a:p>
           </p:txBody>
         </p:sp>
       </p:grpSp>
       <p:sp>
         <p:nvSpPr>
-          <p:cNvPr name="TextBox 5" id="5"/>
-          <p:cNvSpPr txBox="true"/>
+          <p:cNvPr id="5" name="TextBox 5"/>
+          <p:cNvSpPr txBox="1"/>
           <p:nvPr/>
         </p:nvSpPr>
         <p:spPr>
-          <a:xfrm rot="0">
+          <a:xfrm>
             <a:off x="0" y="2095728"/>
             <a:ext cx="10892627" cy="7122795"/>
           </a:xfrm>
@@ -3684,12 +3696,12 @@
           </a:prstGeom>
         </p:spPr>
         <p:txBody>
-          <a:bodyPr anchor="t" rtlCol="false" tIns="0" lIns="0" bIns="0" rIns="0">
+          <a:bodyPr lIns="0" tIns="0" rIns="0" bIns="0" rtlCol="0" anchor="t">
             <a:spAutoFit/>
           </a:bodyPr>
           <a:lstStyle/>
           <a:p>
-            <a:pPr marL="582933" indent="-291467" lvl="1">
+            <a:pPr marL="582933" lvl="1" indent="-291467">
               <a:lnSpc>
                 <a:spcPts val="3780"/>
               </a:lnSpc>
@@ -3712,9 +3724,15 @@
                 <a:spcPts val="3780"/>
               </a:lnSpc>
             </a:pPr>
-          </a:p>
-          <a:p>
-            <a:pPr marL="582933" indent="-291467" lvl="1">
+            <a:endParaRPr lang="en-US" sz="2700">
+              <a:solidFill>
+                <a:srgbClr val="6B4931"/>
+              </a:solidFill>
+              <a:latin typeface="Now"/>
+            </a:endParaRPr>
+          </a:p>
+          <a:p>
+            <a:pPr marL="582933" lvl="1" indent="-291467">
               <a:lnSpc>
                 <a:spcPts val="3780"/>
               </a:lnSpc>
@@ -3737,9 +3755,15 @@
                 <a:spcPts val="3780"/>
               </a:lnSpc>
             </a:pPr>
-          </a:p>
-          <a:p>
-            <a:pPr marL="582933" indent="-291467" lvl="1">
+            <a:endParaRPr lang="en-US" sz="2700">
+              <a:solidFill>
+                <a:srgbClr val="6B4931"/>
+              </a:solidFill>
+              <a:latin typeface="Now"/>
+            </a:endParaRPr>
+          </a:p>
+          <a:p>
+            <a:pPr marL="582933" lvl="1" indent="-291467">
               <a:lnSpc>
                 <a:spcPts val="3780"/>
               </a:lnSpc>
@@ -3762,9 +3786,15 @@
                 <a:spcPts val="3780"/>
               </a:lnSpc>
             </a:pPr>
-          </a:p>
-          <a:p>
-            <a:pPr marL="582933" indent="-291467" lvl="1">
+            <a:endParaRPr lang="en-US" sz="2700">
+              <a:solidFill>
+                <a:srgbClr val="6B4931"/>
+              </a:solidFill>
+              <a:latin typeface="Now"/>
+            </a:endParaRPr>
+          </a:p>
+          <a:p>
+            <a:pPr marL="582933" lvl="1" indent="-291467">
               <a:lnSpc>
                 <a:spcPts val="3780"/>
               </a:lnSpc>
@@ -3787,9 +3817,15 @@
                 <a:spcPts val="3780"/>
               </a:lnSpc>
             </a:pPr>
-          </a:p>
-          <a:p>
-            <a:pPr marL="582933" indent="-291467" lvl="1">
+            <a:endParaRPr lang="en-US" sz="2700">
+              <a:solidFill>
+                <a:srgbClr val="6B4931"/>
+              </a:solidFill>
+              <a:latin typeface="Now"/>
+            </a:endParaRPr>
+          </a:p>
+          <a:p>
+            <a:pPr marL="582933" lvl="1" indent="-291467">
               <a:lnSpc>
                 <a:spcPts val="3780"/>
               </a:lnSpc>
@@ -3812,9 +3848,15 @@
                 <a:spcPts val="3780"/>
               </a:lnSpc>
             </a:pPr>
-          </a:p>
-          <a:p>
-            <a:pPr marL="582933" indent="-291467" lvl="1">
+            <a:endParaRPr lang="en-US" sz="2700">
+              <a:solidFill>
+                <a:srgbClr val="6B4931"/>
+              </a:solidFill>
+              <a:latin typeface="Now"/>
+            </a:endParaRPr>
+          </a:p>
+          <a:p>
+            <a:pPr marL="582933" lvl="1" indent="-291467">
               <a:lnSpc>
                 <a:spcPts val="3780"/>
               </a:lnSpc>
@@ -3837,17 +3879,23 @@
                 <a:spcPts val="3780"/>
               </a:lnSpc>
             </a:pPr>
-          </a:p>
-        </p:txBody>
-      </p:sp>
-      <p:sp>
-        <p:nvSpPr>
-          <p:cNvPr name="Freeform 6" id="6"/>
+            <a:endParaRPr lang="en-US" sz="2700">
+              <a:solidFill>
+                <a:srgbClr val="6B4931"/>
+              </a:solidFill>
+              <a:latin typeface="Now"/>
+            </a:endParaRPr>
+          </a:p>
+        </p:txBody>
+      </p:sp>
+      <p:sp>
+        <p:nvSpPr>
+          <p:cNvPr id="6" name="Freeform 6"/>
           <p:cNvSpPr/>
           <p:nvPr/>
         </p:nvSpPr>
         <p:spPr>
-          <a:xfrm flipH="false" flipV="false" rot="0">
+          <a:xfrm>
             <a:off x="12198932" y="1432629"/>
             <a:ext cx="6089068" cy="7421742"/>
           </a:xfrm>
@@ -3856,9 +3904,9 @@
             <a:gdLst/>
             <a:ahLst/>
             <a:cxnLst/>
-            <a:rect r="r" b="b" t="t" l="l"/>
+            <a:rect l="l" t="t" r="r" b="b"/>
             <a:pathLst>
-              <a:path h="7421742" w="6089068">
+              <a:path w="6089068" h="7421742">
                 <a:moveTo>
                   <a:pt x="0" y="0"/>
                 </a:moveTo>
@@ -3881,19 +3929,19 @@
           <a:blipFill>
             <a:blip r:embed="rId2"/>
             <a:stretch>
-              <a:fillRect l="0" t="0" r="0" b="0"/>
+              <a:fillRect/>
             </a:stretch>
           </a:blipFill>
         </p:spPr>
       </p:sp>
       <p:sp>
         <p:nvSpPr>
-          <p:cNvPr name="TextBox 7" id="7"/>
-          <p:cNvSpPr txBox="true"/>
+          <p:cNvPr id="7" name="TextBox 7"/>
+          <p:cNvSpPr txBox="1"/>
           <p:nvPr/>
         </p:nvSpPr>
         <p:spPr>
-          <a:xfrm rot="0">
+          <a:xfrm>
             <a:off x="394467" y="682412"/>
             <a:ext cx="5717714" cy="1111676"/>
           </a:xfrm>
@@ -3902,7 +3950,7 @@
           </a:prstGeom>
         </p:spPr>
         <p:txBody>
-          <a:bodyPr anchor="t" rtlCol="false" tIns="0" lIns="0" bIns="0" rIns="0">
+          <a:bodyPr lIns="0" tIns="0" rIns="0" bIns="0" rtlCol="0" anchor="t">
             <a:spAutoFit/>
           </a:bodyPr>
           <a:lstStyle/>
@@ -3933,13 +3981,14 @@
 </file>
 
 <file path=ppt/slides/slide3.xml><?xml version="1.0" encoding="utf-8"?>
-<p:sld xmlns:p="http://schemas.openxmlformats.org/presentationml/2006/main" xmlns:a="http://schemas.openxmlformats.org/drawingml/2006/main" xmlns:r="http://schemas.openxmlformats.org/officeDocument/2006/relationships">
+<p:sld xmlns:a="http://schemas.openxmlformats.org/drawingml/2006/main" xmlns:r="http://schemas.openxmlformats.org/officeDocument/2006/relationships" xmlns:p="http://schemas.openxmlformats.org/presentationml/2006/main">
   <p:cSld>
     <p:bg>
       <p:bgPr>
         <a:solidFill>
           <a:srgbClr val="E8DAC0"/>
         </a:solidFill>
+        <a:effectLst/>
       </p:bgPr>
     </p:bg>
     <p:spTree>
@@ -3958,12 +4007,12 @@
       </p:grpSpPr>
       <p:grpSp>
         <p:nvGrpSpPr>
-          <p:cNvPr name="Group 2" id="2"/>
+          <p:cNvPr id="2" name="Group 2"/>
           <p:cNvGrpSpPr/>
           <p:nvPr/>
         </p:nvGrpSpPr>
         <p:grpSpPr>
-          <a:xfrm rot="0">
+          <a:xfrm>
             <a:off x="0" y="0"/>
             <a:ext cx="10528810" cy="10287000"/>
             <a:chOff x="0" y="0"/>
@@ -3972,12 +4021,12 @@
         </p:grpSpPr>
         <p:sp>
           <p:nvSpPr>
-            <p:cNvPr name="Freeform 3" id="3"/>
+            <p:cNvPr id="3" name="Freeform 3"/>
             <p:cNvSpPr/>
             <p:nvPr/>
           </p:nvSpPr>
           <p:spPr>
-            <a:xfrm flipH="false" flipV="false" rot="0">
+            <a:xfrm>
               <a:off x="0" y="0"/>
               <a:ext cx="2773020" cy="2709333"/>
             </a:xfrm>
@@ -3986,9 +4035,9 @@
               <a:gdLst/>
               <a:ahLst/>
               <a:cxnLst/>
-              <a:rect r="r" b="b" t="t" l="l"/>
+              <a:rect l="l" t="t" r="r" b="b"/>
               <a:pathLst>
-                <a:path h="2709333" w="2773020">
+                <a:path w="2773020" h="2709333">
                   <a:moveTo>
                     <a:pt x="0" y="0"/>
                   </a:moveTo>
@@ -4012,8 +4061,8 @@
         </p:sp>
         <p:sp>
           <p:nvSpPr>
-            <p:cNvPr name="TextBox 4" id="4"/>
-            <p:cNvSpPr txBox="true"/>
+            <p:cNvPr id="4" name="TextBox 4"/>
+            <p:cNvSpPr txBox="1"/>
             <p:nvPr/>
           </p:nvSpPr>
           <p:spPr>
@@ -4026,7 +4075,7 @@
             </a:prstGeom>
           </p:spPr>
           <p:txBody>
-            <a:bodyPr anchor="ctr" rtlCol="false" tIns="50800" lIns="50800" bIns="50800" rIns="50800"/>
+            <a:bodyPr lIns="50800" tIns="50800" rIns="50800" bIns="50800" rtlCol="0" anchor="ctr"/>
             <a:lstStyle/>
             <a:p>
               <a:pPr algn="ctr">
@@ -4037,18 +4086,19 @@
                   <a:spcPct val="0"/>
                 </a:spcBef>
               </a:pPr>
+              <a:endParaRPr/>
             </a:p>
           </p:txBody>
         </p:sp>
       </p:grpSp>
       <p:sp>
         <p:nvSpPr>
-          <p:cNvPr name="Freeform 5" id="5"/>
+          <p:cNvPr id="5" name="Freeform 5"/>
           <p:cNvSpPr/>
           <p:nvPr/>
         </p:nvSpPr>
         <p:spPr>
-          <a:xfrm flipH="false" flipV="false" rot="0">
+          <a:xfrm>
             <a:off x="11571830" y="5954905"/>
             <a:ext cx="2495081" cy="2245573"/>
           </a:xfrm>
@@ -4057,9 +4107,9 @@
             <a:gdLst/>
             <a:ahLst/>
             <a:cxnLst/>
-            <a:rect r="r" b="b" t="t" l="l"/>
+            <a:rect l="l" t="t" r="r" b="b"/>
             <a:pathLst>
-              <a:path h="2245573" w="2495081">
+              <a:path w="2495081" h="2245573">
                 <a:moveTo>
                   <a:pt x="0" y="0"/>
                 </a:moveTo>
@@ -4088,19 +4138,19 @@
               </a:extLst>
             </a:blip>
             <a:stretch>
-              <a:fillRect l="0" t="0" r="0" b="0"/>
+              <a:fillRect/>
             </a:stretch>
           </a:blipFill>
         </p:spPr>
       </p:sp>
       <p:sp>
         <p:nvSpPr>
-          <p:cNvPr name="Freeform 6" id="6"/>
+          <p:cNvPr id="6" name="Freeform 6"/>
           <p:cNvSpPr/>
           <p:nvPr/>
         </p:nvSpPr>
         <p:spPr>
-          <a:xfrm flipH="false" flipV="false" rot="0">
+          <a:xfrm>
             <a:off x="11135948" y="1228725"/>
             <a:ext cx="3501171" cy="3501171"/>
           </a:xfrm>
@@ -4109,9 +4159,9 @@
             <a:gdLst/>
             <a:ahLst/>
             <a:cxnLst/>
-            <a:rect r="r" b="b" t="t" l="l"/>
+            <a:rect l="l" t="t" r="r" b="b"/>
             <a:pathLst>
-              <a:path h="3501171" w="3501171">
+              <a:path w="3501171" h="3501171">
                 <a:moveTo>
                   <a:pt x="0" y="0"/>
                 </a:moveTo>
@@ -4134,19 +4184,19 @@
           <a:blipFill>
             <a:blip r:embed="rId4"/>
             <a:stretch>
-              <a:fillRect l="0" t="0" r="0" b="0"/>
+              <a:fillRect/>
             </a:stretch>
           </a:blipFill>
         </p:spPr>
       </p:sp>
       <p:sp>
         <p:nvSpPr>
-          <p:cNvPr name="Freeform 7" id="7"/>
+          <p:cNvPr id="7" name="Freeform 7"/>
           <p:cNvSpPr/>
           <p:nvPr/>
         </p:nvSpPr>
         <p:spPr>
-          <a:xfrm flipH="false" flipV="false" rot="0">
+          <a:xfrm>
             <a:off x="15112392" y="1228725"/>
             <a:ext cx="2482649" cy="3501171"/>
           </a:xfrm>
@@ -4155,9 +4205,9 @@
             <a:gdLst/>
             <a:ahLst/>
             <a:cxnLst/>
-            <a:rect r="r" b="b" t="t" l="l"/>
+            <a:rect l="l" t="t" r="r" b="b"/>
             <a:pathLst>
-              <a:path h="3501171" w="2482649">
+              <a:path w="2482649" h="3501171">
                 <a:moveTo>
                   <a:pt x="0" y="0"/>
                 </a:moveTo>
@@ -4186,19 +4236,19 @@
               </a:extLst>
             </a:blip>
             <a:stretch>
-              <a:fillRect l="0" t="0" r="0" b="0"/>
+              <a:fillRect/>
             </a:stretch>
           </a:blipFill>
         </p:spPr>
       </p:sp>
       <p:sp>
         <p:nvSpPr>
-          <p:cNvPr name="Freeform 8" id="8"/>
+          <p:cNvPr id="8" name="Freeform 8"/>
           <p:cNvSpPr/>
           <p:nvPr/>
         </p:nvSpPr>
         <p:spPr>
-          <a:xfrm flipH="false" flipV="false" rot="0">
+          <a:xfrm>
             <a:off x="14894378" y="5954905"/>
             <a:ext cx="2700662" cy="3017500"/>
           </a:xfrm>
@@ -4207,9 +4257,9 @@
             <a:gdLst/>
             <a:ahLst/>
             <a:cxnLst/>
-            <a:rect r="r" b="b" t="t" l="l"/>
+            <a:rect l="l" t="t" r="r" b="b"/>
             <a:pathLst>
-              <a:path h="3017500" w="2700662">
+              <a:path w="2700662" h="3017500">
                 <a:moveTo>
                   <a:pt x="0" y="0"/>
                 </a:moveTo>
@@ -4232,19 +4282,19 @@
           <a:blipFill>
             <a:blip r:embed="rId7"/>
             <a:stretch>
-              <a:fillRect l="0" t="0" r="0" b="0"/>
+              <a:fillRect/>
             </a:stretch>
           </a:blipFill>
         </p:spPr>
       </p:sp>
       <p:sp>
         <p:nvSpPr>
-          <p:cNvPr name="TextBox 9" id="9"/>
-          <p:cNvSpPr txBox="true"/>
+          <p:cNvPr id="9" name="TextBox 9"/>
+          <p:cNvSpPr txBox="1"/>
           <p:nvPr/>
         </p:nvSpPr>
         <p:spPr>
-          <a:xfrm rot="0">
+          <a:xfrm>
             <a:off x="325756" y="1405437"/>
             <a:ext cx="9877793" cy="1111606"/>
           </a:xfrm>
@@ -4253,7 +4303,7 @@
           </a:prstGeom>
         </p:spPr>
         <p:txBody>
-          <a:bodyPr anchor="t" rtlCol="false" tIns="0" lIns="0" bIns="0" rIns="0">
+          <a:bodyPr lIns="0" tIns="0" rIns="0" bIns="0" rtlCol="0" anchor="t">
             <a:spAutoFit/>
           </a:bodyPr>
           <a:lstStyle/>
@@ -4277,12 +4327,12 @@
       </p:sp>
       <p:sp>
         <p:nvSpPr>
-          <p:cNvPr name="TextBox 10" id="10"/>
-          <p:cNvSpPr txBox="true"/>
+          <p:cNvPr id="10" name="TextBox 10"/>
+          <p:cNvSpPr txBox="1"/>
           <p:nvPr/>
         </p:nvSpPr>
         <p:spPr>
-          <a:xfrm rot="0">
+          <a:xfrm>
             <a:off x="95250" y="3359122"/>
             <a:ext cx="10338805" cy="3798570"/>
           </a:xfrm>
@@ -4291,12 +4341,12 @@
           </a:prstGeom>
         </p:spPr>
         <p:txBody>
-          <a:bodyPr anchor="t" rtlCol="false" tIns="0" lIns="0" bIns="0" rIns="0">
+          <a:bodyPr lIns="0" tIns="0" rIns="0" bIns="0" rtlCol="0" anchor="t">
             <a:spAutoFit/>
           </a:bodyPr>
           <a:lstStyle/>
           <a:p>
-            <a:pPr marL="582933" indent="-291467" lvl="1">
+            <a:pPr marL="582933" lvl="1" indent="-291467">
               <a:lnSpc>
                 <a:spcPts val="3780"/>
               </a:lnSpc>
@@ -4337,9 +4387,15 @@
                 <a:spcPts val="3780"/>
               </a:lnSpc>
             </a:pPr>
-          </a:p>
-          <a:p>
-            <a:pPr marL="582933" indent="-291467" lvl="1">
+            <a:endParaRPr lang="en-US" sz="2700">
+              <a:solidFill>
+                <a:srgbClr val="E8DAC0"/>
+              </a:solidFill>
+              <a:latin typeface="Now"/>
+            </a:endParaRPr>
+          </a:p>
+          <a:p>
+            <a:pPr marL="582933" lvl="1" indent="-291467">
               <a:lnSpc>
                 <a:spcPts val="3780"/>
               </a:lnSpc>
@@ -4362,6 +4418,12 @@
                 <a:spcPts val="3780"/>
               </a:lnSpc>
             </a:pPr>
+            <a:endParaRPr lang="en-US" sz="2700">
+              <a:solidFill>
+                <a:srgbClr val="E8DAC0"/>
+              </a:solidFill>
+              <a:latin typeface="Now"/>
+            </a:endParaRPr>
           </a:p>
         </p:txBody>
       </p:sp>
@@ -4374,13 +4436,14 @@
 </file>
 
 <file path=ppt/slides/slide4.xml><?xml version="1.0" encoding="utf-8"?>
-<p:sld xmlns:p="http://schemas.openxmlformats.org/presentationml/2006/main" xmlns:a="http://schemas.openxmlformats.org/drawingml/2006/main">
+<p:sld xmlns:a="http://schemas.openxmlformats.org/drawingml/2006/main" xmlns:r="http://schemas.openxmlformats.org/officeDocument/2006/relationships" xmlns:p="http://schemas.openxmlformats.org/presentationml/2006/main">
   <p:cSld>
     <p:bg>
       <p:bgPr>
         <a:solidFill>
           <a:srgbClr val="E8DAC0"/>
         </a:solidFill>
+        <a:effectLst/>
       </p:bgPr>
     </p:bg>
     <p:spTree>
@@ -4399,12 +4462,12 @@
       </p:grpSpPr>
       <p:grpSp>
         <p:nvGrpSpPr>
-          <p:cNvPr name="Group 2" id="2"/>
+          <p:cNvPr id="2" name="Group 2"/>
           <p:cNvGrpSpPr/>
           <p:nvPr/>
         </p:nvGrpSpPr>
         <p:grpSpPr>
-          <a:xfrm rot="0">
+          <a:xfrm>
             <a:off x="0" y="373315"/>
             <a:ext cx="10903279" cy="9540370"/>
             <a:chOff x="0" y="0"/>
@@ -4413,12 +4476,12 @@
         </p:grpSpPr>
         <p:sp>
           <p:nvSpPr>
-            <p:cNvPr name="Freeform 3" id="3"/>
+            <p:cNvPr id="3" name="Freeform 3"/>
             <p:cNvSpPr/>
             <p:nvPr/>
           </p:nvSpPr>
           <p:spPr>
-            <a:xfrm flipH="false" flipV="false" rot="0">
+            <a:xfrm>
               <a:off x="0" y="0"/>
               <a:ext cx="812800" cy="711200"/>
             </a:xfrm>
@@ -4427,9 +4490,9 @@
               <a:gdLst/>
               <a:ahLst/>
               <a:cxnLst/>
-              <a:rect r="r" b="b" t="t" l="l"/>
+              <a:rect l="l" t="t" r="r" b="b"/>
               <a:pathLst>
-                <a:path h="711200" w="812800">
+                <a:path w="812800" h="711200">
                   <a:moveTo>
                     <a:pt x="406400" y="0"/>
                   </a:moveTo>
@@ -4458,8 +4521,8 @@
         </p:sp>
         <p:sp>
           <p:nvSpPr>
-            <p:cNvPr name="TextBox 4" id="4"/>
-            <p:cNvSpPr txBox="true"/>
+            <p:cNvPr id="4" name="TextBox 4"/>
+            <p:cNvSpPr txBox="1"/>
             <p:nvPr/>
           </p:nvSpPr>
           <p:spPr>
@@ -4472,7 +4535,7 @@
             </a:prstGeom>
           </p:spPr>
           <p:txBody>
-            <a:bodyPr anchor="ctr" rtlCol="false" tIns="50800" lIns="50800" bIns="50800" rIns="50800"/>
+            <a:bodyPr lIns="50800" tIns="50800" rIns="50800" bIns="50800" rtlCol="0" anchor="ctr"/>
             <a:lstStyle/>
             <a:p>
               <a:pPr algn="ctr">
@@ -4483,13 +4546,14 @@
                   <a:spcPct val="0"/>
                 </a:spcBef>
               </a:pPr>
+              <a:endParaRPr/>
             </a:p>
           </p:txBody>
         </p:sp>
       </p:grpSp>
       <p:sp>
         <p:nvSpPr>
-          <p:cNvPr name="AutoShape 5" id="5"/>
+          <p:cNvPr id="5" name="AutoShape 5"/>
           <p:cNvSpPr/>
           <p:nvPr/>
         </p:nvSpPr>
@@ -4501,48 +4565,48 @@
           <a:prstGeom prst="line">
             <a:avLst/>
           </a:prstGeom>
-          <a:ln cap="flat" w="85725">
+          <a:ln w="85725" cap="flat">
             <a:solidFill>
               <a:srgbClr val="E8DAC0"/>
             </a:solidFill>
             <a:prstDash val="solid"/>
-            <a:headEnd type="diamond" len="lg" w="lg"/>
-            <a:tailEnd type="diamond" len="lg" w="lg"/>
+            <a:headEnd type="diamond" w="lg" len="lg"/>
+            <a:tailEnd type="diamond" w="lg" len="lg"/>
           </a:ln>
         </p:spPr>
       </p:sp>
       <p:sp>
         <p:nvSpPr>
-          <p:cNvPr name="AutoShape 6" id="6"/>
+          <p:cNvPr id="6" name="AutoShape 6"/>
           <p:cNvSpPr/>
           <p:nvPr/>
         </p:nvSpPr>
         <p:spPr>
-          <a:xfrm flipV="true">
+          <a:xfrm flipV="1">
             <a:off x="1575396" y="7159698"/>
             <a:ext cx="7749595" cy="0"/>
           </a:xfrm>
           <a:prstGeom prst="line">
             <a:avLst/>
           </a:prstGeom>
-          <a:ln cap="flat" w="85725">
+          <a:ln w="85725" cap="flat">
             <a:solidFill>
               <a:srgbClr val="E8DAC0"/>
             </a:solidFill>
             <a:prstDash val="solid"/>
-            <a:headEnd type="diamond" len="lg" w="lg"/>
-            <a:tailEnd type="diamond" len="lg" w="lg"/>
+            <a:headEnd type="diamond" w="lg" len="lg"/>
+            <a:tailEnd type="diamond" w="lg" len="lg"/>
           </a:ln>
         </p:spPr>
       </p:sp>
       <p:sp>
         <p:nvSpPr>
-          <p:cNvPr name="TextBox 7" id="7"/>
-          <p:cNvSpPr txBox="true"/>
+          <p:cNvPr id="7" name="TextBox 7"/>
+          <p:cNvSpPr txBox="1"/>
           <p:nvPr/>
         </p:nvSpPr>
         <p:spPr>
-          <a:xfrm rot="0">
+          <a:xfrm>
             <a:off x="4455416" y="2485653"/>
             <a:ext cx="1997736" cy="753066"/>
           </a:xfrm>
@@ -4551,7 +4615,7 @@
           </a:prstGeom>
         </p:spPr>
         <p:txBody>
-          <a:bodyPr anchor="t" rtlCol="false" tIns="0" lIns="0" bIns="0" rIns="0">
+          <a:bodyPr lIns="0" tIns="0" rIns="0" bIns="0" rtlCol="0" anchor="t">
             <a:spAutoFit/>
           </a:bodyPr>
           <a:lstStyle/>
@@ -4578,12 +4642,12 @@
       </p:sp>
       <p:sp>
         <p:nvSpPr>
-          <p:cNvPr name="TextBox 8" id="8"/>
-          <p:cNvSpPr txBox="true"/>
+          <p:cNvPr id="8" name="TextBox 8"/>
+          <p:cNvSpPr txBox="1"/>
           <p:nvPr/>
         </p:nvSpPr>
         <p:spPr>
-          <a:xfrm rot="0">
+          <a:xfrm>
             <a:off x="3897280" y="5169461"/>
             <a:ext cx="3114009" cy="753064"/>
           </a:xfrm>
@@ -4592,7 +4656,7 @@
           </a:prstGeom>
         </p:spPr>
         <p:txBody>
-          <a:bodyPr anchor="t" rtlCol="false" tIns="0" lIns="0" bIns="0" rIns="0">
+          <a:bodyPr lIns="0" tIns="0" rIns="0" bIns="0" rtlCol="0" anchor="t">
             <a:spAutoFit/>
           </a:bodyPr>
           <a:lstStyle/>
@@ -4616,21 +4680,21 @@
       </p:sp>
       <p:sp>
         <p:nvSpPr>
-          <p:cNvPr name="TextBox 9" id="9"/>
-          <p:cNvSpPr txBox="true"/>
+          <p:cNvPr id="9" name="TextBox 9"/>
+          <p:cNvSpPr txBox="1"/>
           <p:nvPr/>
         </p:nvSpPr>
         <p:spPr>
-          <a:xfrm rot="0">
-            <a:off x="4265032" y="8139550"/>
-            <a:ext cx="2370324" cy="820098"/>
+          <a:xfrm>
+            <a:off x="3929568" y="8153837"/>
+            <a:ext cx="2746257" cy="820098"/>
           </a:xfrm>
           <a:prstGeom prst="rect">
             <a:avLst/>
           </a:prstGeom>
         </p:spPr>
         <p:txBody>
-          <a:bodyPr anchor="t" rtlCol="false" tIns="0" lIns="0" bIns="0" rIns="0">
+          <a:bodyPr wrap="square" lIns="0" tIns="0" rIns="0" bIns="0" rtlCol="0" anchor="t">
             <a:spAutoFit/>
           </a:bodyPr>
           <a:lstStyle/>
@@ -4641,7 +4705,7 @@
               </a:lnSpc>
             </a:pPr>
             <a:r>
-              <a:rPr lang="en-US" sz="4822">
+              <a:rPr lang="en-US" sz="4822" dirty="0">
                 <a:solidFill>
                   <a:srgbClr val="E8DAC0"/>
                 </a:solidFill>
@@ -4654,12 +4718,12 @@
       </p:sp>
       <p:sp>
         <p:nvSpPr>
-          <p:cNvPr name="TextBox 10" id="10"/>
-          <p:cNvSpPr txBox="true"/>
+          <p:cNvPr id="10" name="TextBox 10"/>
+          <p:cNvSpPr txBox="1"/>
           <p:nvPr/>
         </p:nvSpPr>
         <p:spPr>
-          <a:xfrm rot="0">
+          <a:xfrm>
             <a:off x="12405479" y="2395461"/>
             <a:ext cx="4553426" cy="514350"/>
           </a:xfrm>
@@ -4668,7 +4732,7 @@
           </a:prstGeom>
         </p:spPr>
         <p:txBody>
-          <a:bodyPr anchor="t" rtlCol="false" tIns="0" lIns="0" bIns="0" rIns="0">
+          <a:bodyPr lIns="0" tIns="0" rIns="0" bIns="0" rtlCol="0" anchor="t">
             <a:spAutoFit/>
           </a:bodyPr>
           <a:lstStyle/>
@@ -4692,12 +4756,12 @@
       </p:sp>
       <p:sp>
         <p:nvSpPr>
-          <p:cNvPr name="TextBox 11" id="11"/>
-          <p:cNvSpPr txBox="true"/>
+          <p:cNvPr id="11" name="TextBox 11"/>
+          <p:cNvSpPr txBox="1"/>
           <p:nvPr/>
         </p:nvSpPr>
         <p:spPr>
-          <a:xfrm rot="0">
+          <a:xfrm>
             <a:off x="12405479" y="4817686"/>
             <a:ext cx="4853821" cy="1047750"/>
           </a:xfrm>
@@ -4706,7 +4770,7 @@
           </a:prstGeom>
         </p:spPr>
         <p:txBody>
-          <a:bodyPr anchor="t" rtlCol="false" tIns="0" lIns="0" bIns="0" rIns="0">
+          <a:bodyPr lIns="0" tIns="0" rIns="0" bIns="0" rtlCol="0" anchor="t">
             <a:spAutoFit/>
           </a:bodyPr>
           <a:lstStyle/>
@@ -4746,12 +4810,12 @@
       </p:sp>
       <p:sp>
         <p:nvSpPr>
-          <p:cNvPr name="TextBox 12" id="12"/>
-          <p:cNvSpPr txBox="true"/>
+          <p:cNvPr id="12" name="TextBox 12"/>
+          <p:cNvSpPr txBox="1"/>
           <p:nvPr/>
         </p:nvSpPr>
         <p:spPr>
-          <a:xfrm rot="0">
+          <a:xfrm>
             <a:off x="10054766" y="7773311"/>
             <a:ext cx="7204534" cy="1581150"/>
           </a:xfrm>
@@ -4760,7 +4824,7 @@
           </a:prstGeom>
         </p:spPr>
         <p:txBody>
-          <a:bodyPr anchor="t" rtlCol="false" tIns="0" lIns="0" bIns="0" rIns="0">
+          <a:bodyPr lIns="0" tIns="0" rIns="0" bIns="0" rtlCol="0" anchor="t">
             <a:spAutoFit/>
           </a:bodyPr>
           <a:lstStyle/>
